--- a/L10.pptx
+++ b/L10.pptx
@@ -198,7 +198,7 @@
           <a:p>
             <a:fld id="{0BAAC053-2B7B-EB46-8806-5FB9B970AF34}" type="datetimeFigureOut">
               <a:rPr lang="en-US" smtClean="0"/>
-              <a:t>12/29/23</a:t>
+              <a:t>1/8/24</a:t>
             </a:fld>
             <a:endParaRPr lang="en-US"/>
           </a:p>
@@ -612,7 +612,7 @@
           <a:p>
             <a:fld id="{C7A15469-0524-8F4F-9E12-76BE9BAEC418}" type="datetime1">
               <a:rPr lang="en-CA" smtClean="0"/>
-              <a:t>2023-12-29</a:t>
+              <a:t>2024-01-08</a:t>
             </a:fld>
             <a:endParaRPr lang="en-US"/>
           </a:p>
@@ -1069,7 +1069,7 @@
           <a:p>
             <a:fld id="{251F351B-3C41-6C46-A5F1-3CA0D762442A}" type="datetime1">
               <a:rPr lang="en-CA" smtClean="0"/>
-              <a:t>2023-12-29</a:t>
+              <a:t>2024-01-08</a:t>
             </a:fld>
             <a:endParaRPr lang="en-US"/>
           </a:p>
@@ -1356,7 +1356,7 @@
           <a:p>
             <a:fld id="{D301FFEF-BC07-6945-8DF9-83389C94DF56}" type="datetime1">
               <a:rPr lang="en-CA" smtClean="0"/>
-              <a:t>2023-12-29</a:t>
+              <a:t>2024-01-08</a:t>
             </a:fld>
             <a:endParaRPr lang="en-US"/>
           </a:p>
@@ -1818,7 +1818,7 @@
           <a:p>
             <a:fld id="{3155D33B-FEF6-E34F-9240-CA7C515C6240}" type="datetime1">
               <a:rPr lang="en-CA" smtClean="0"/>
-              <a:t>2023-12-29</a:t>
+              <a:t>2024-01-08</a:t>
             </a:fld>
             <a:endParaRPr lang="en-US"/>
           </a:p>
@@ -2014,7 +2014,7 @@
           <a:p>
             <a:fld id="{9A561D02-7E11-1544-897F-A30819BC8F60}" type="datetime1">
               <a:rPr lang="en-CA" smtClean="0"/>
-              <a:t>2023-12-29</a:t>
+              <a:t>2024-01-08</a:t>
             </a:fld>
             <a:endParaRPr lang="en-US"/>
           </a:p>
@@ -2210,7 +2210,7 @@
           <a:p>
             <a:fld id="{00E961B8-A498-DA41-8388-3640B039A975}" type="datetime1">
               <a:rPr lang="en-CA" smtClean="0"/>
-              <a:t>2023-12-29</a:t>
+              <a:t>2024-01-08</a:t>
             </a:fld>
             <a:endParaRPr lang="en-US"/>
           </a:p>
@@ -2501,7 +2501,7 @@
           <a:p>
             <a:fld id="{0C46C317-5B29-6F48-A50A-672AEB20555B}" type="datetime1">
               <a:rPr lang="en-CA" smtClean="0"/>
-              <a:t>2023-12-29</a:t>
+              <a:t>2024-01-08</a:t>
             </a:fld>
             <a:endParaRPr lang="en-US"/>
           </a:p>
@@ -2936,13 +2936,21 @@
         <p:spPr/>
         <p:txBody>
           <a:bodyPr>
-            <a:normAutofit fontScale="90000"/>
+            <a:normAutofit/>
           </a:bodyPr>
           <a:lstStyle/>
           <a:p>
             <a:r>
               <a:rPr lang="en-US" dirty="0"/>
-              <a:t>Lecture 10: Conditional Computation</a:t>
+              <a:t>Lecture 10</a:t>
+            </a:r>
+            <a:r>
+              <a:rPr lang="en-US"/>
+              <a:t>: Scaling </a:t>
+            </a:r>
+            <a:r>
+              <a:rPr lang="en-US" dirty="0"/>
+              <a:t>Law</a:t>
             </a:r>
           </a:p>
         </p:txBody>
@@ -2998,7 +3006,7 @@
           <a:p>
             <a:fld id="{EFF2884E-48B2-1441-B188-EF9645BFD4B8}" type="datetime1">
               <a:rPr lang="en-CA" smtClean="0"/>
-              <a:t>2023-12-29</a:t>
+              <a:t>2024-01-08</a:t>
             </a:fld>
             <a:endParaRPr lang="en-US"/>
           </a:p>
@@ -3142,49 +3150,58 @@
           <a:p>
             <a:r>
               <a:rPr lang="en-US" dirty="0"/>
-              <a:t>Introduce Language Model</a:t>
+              <a:t>In machine learning, a neural scaling law is a scaling law relating parameters of a family of neural networks.</a:t>
+            </a:r>
+          </a:p>
+          <a:p>
+            <a:r>
+              <a:rPr lang="en-US" dirty="0"/>
+              <a:t>The parameters are interested in are size of the model, size of the training data, cost of training and test loss.</a:t>
+            </a:r>
+          </a:p>
+          <a:p>
+            <a:r>
+              <a:rPr lang="en-US" dirty="0"/>
+              <a:t>Different laws</a:t>
             </a:r>
           </a:p>
           <a:p>
             <a:pPr lvl="1"/>
             <a:r>
+              <a:rPr lang="en-US" dirty="0" err="1"/>
+              <a:t>OpenAI</a:t>
+            </a:r>
+            <a:r>
               <a:rPr lang="en-US" dirty="0"/>
-              <a:t>Mixture of Experts</a:t>
+              <a:t> GPT (Kaplan et al. 2020)</a:t>
             </a:r>
           </a:p>
           <a:p>
             <a:pPr lvl="1"/>
             <a:r>
               <a:rPr lang="en-US" dirty="0"/>
-              <a:t>Conditional T5</a:t>
+              <a:t>Chinchilla (Hoffmann et al. 2022)</a:t>
             </a:r>
           </a:p>
           <a:p>
             <a:pPr lvl="1"/>
             <a:r>
               <a:rPr lang="en-US" dirty="0"/>
-              <a:t>Early Exiting</a:t>
+              <a:t>Emergent Ability (Wei et al. 2022)</a:t>
             </a:r>
           </a:p>
           <a:p>
             <a:pPr lvl="1"/>
             <a:r>
               <a:rPr lang="en-US" dirty="0"/>
-              <a:t>CALM</a:t>
+              <a:t>Debate about Emergent Ability</a:t>
             </a:r>
           </a:p>
           <a:p>
             <a:pPr lvl="1"/>
             <a:r>
               <a:rPr lang="en-US" dirty="0"/>
-              <a:t>Speculative Decoding</a:t>
-            </a:r>
-          </a:p>
-          <a:p>
-            <a:pPr lvl="1"/>
-            <a:r>
-              <a:rPr lang="en-US" dirty="0"/>
-              <a:t>…</a:t>
+              <a:t>Other papers.</a:t>
             </a:r>
           </a:p>
         </p:txBody>
@@ -3212,7 +3229,7 @@
           <a:p>
             <a:fld id="{251F351B-3C41-6C46-A5F1-3CA0D762442A}" type="datetime1">
               <a:rPr lang="en-CA" smtClean="0"/>
-              <a:t>2023-12-29</a:t>
+              <a:t>2024-01-08</a:t>
             </a:fld>
             <a:endParaRPr lang="en-US"/>
           </a:p>
